--- a/String Methods.pptx
+++ b/String Methods.pptx
@@ -7603,11 +7603,11 @@
             <a:p>
               <a:r>
                 <a:rPr lang="en-US" dirty="0" smtClean="0"/>
-                <a:t>console.log(text.</a:t>
-              </a:r>
-              <a:r>
-                <a:rPr lang="en-US" dirty="0"/>
-                <a:t> substring</a:t>
+                <a:t>console.log(</a:t>
+              </a:r>
+              <a:r>
+                <a:rPr lang="en-US" dirty="0" err="1" smtClean="0"/>
+                <a:t>text.substring</a:t>
               </a:r>
               <a:r>
                 <a:rPr lang="en-US" dirty="0" smtClean="0"/>
@@ -7630,16 +7630,12 @@
             </a:p>
             <a:p>
               <a:r>
-                <a:rPr lang="en-US" dirty="0"/>
-                <a:t>console.log(text</a:t>
-              </a:r>
-              <a:r>
-                <a:rPr lang="en-US" dirty="0" smtClean="0"/>
-                <a:t>.</a:t>
-              </a:r>
-              <a:r>
-                <a:rPr lang="en-US" dirty="0"/>
-                <a:t> substring</a:t>
+                <a:rPr lang="en-US" dirty="0" smtClean="0"/>
+                <a:t>console.log(</a:t>
+              </a:r>
+              <a:r>
+                <a:rPr lang="en-US" dirty="0" err="1" smtClean="0"/>
+                <a:t>text.substring</a:t>
               </a:r>
               <a:r>
                 <a:rPr lang="en-US" dirty="0" smtClean="0"/>
@@ -7673,20 +7669,20 @@
             </a:p>
             <a:p>
               <a:r>
-                <a:rPr lang="en-US" dirty="0"/>
-                <a:t>console.log(text</a:t>
-              </a:r>
-              <a:r>
-                <a:rPr lang="en-US" dirty="0" smtClean="0"/>
-                <a:t>.</a:t>
-              </a:r>
-              <a:r>
-                <a:rPr lang="en-US" dirty="0"/>
-                <a:t> </a:t>
-              </a:r>
-              <a:r>
-                <a:rPr lang="en-US" dirty="0" smtClean="0"/>
-                <a:t>substring(1,4))</a:t>
+                <a:rPr lang="en-US" dirty="0" smtClean="0"/>
+                <a:t>console.log(</a:t>
+              </a:r>
+              <a:r>
+                <a:rPr lang="en-US" dirty="0" err="1" smtClean="0"/>
+                <a:t>text.substring</a:t>
+              </a:r>
+              <a:r>
+                <a:rPr lang="en-US" dirty="0" smtClean="0"/>
+                <a:t>(1,4</a:t>
+              </a:r>
+              <a:r>
+                <a:rPr lang="en-US" dirty="0" smtClean="0"/>
+                <a:t>))</a:t>
               </a:r>
               <a:r>
                 <a:rPr lang="en-US" dirty="0">
@@ -9121,15 +9117,11 @@
             <a:p>
               <a:r>
                 <a:rPr lang="en-US" dirty="0" smtClean="0"/>
-                <a:t>console.log(text</a:t>
-              </a:r>
-              <a:r>
-                <a:rPr lang="en-US" dirty="0"/>
-                <a:t>. </a:t>
+                <a:t>console.log(</a:t>
               </a:r>
               <a:r>
                 <a:rPr lang="en-US" dirty="0" err="1" smtClean="0"/>
-                <a:t>charCodeAt</a:t>
+                <a:t>text.charCodeAt</a:t>
               </a:r>
               <a:r>
                 <a:rPr lang="en-US" dirty="0" smtClean="0"/>
@@ -9151,12 +9143,12 @@
             </a:p>
             <a:p>
               <a:r>
-                <a:rPr lang="en-US" dirty="0"/>
-                <a:t>console.log(text. </a:t>
+                <a:rPr lang="en-US" dirty="0" smtClean="0"/>
+                <a:t>console.log(</a:t>
               </a:r>
               <a:r>
                 <a:rPr lang="en-US" dirty="0" err="1" smtClean="0"/>
-                <a:t>charCodeAt</a:t>
+                <a:t>text.charCodeAt</a:t>
               </a:r>
               <a:r>
                 <a:rPr lang="en-US" dirty="0" smtClean="0"/>
@@ -9182,20 +9174,16 @@
             </a:p>
             <a:p>
               <a:r>
-                <a:rPr lang="en-US" dirty="0"/>
-                <a:t>console.log(text. </a:t>
+                <a:rPr lang="en-US" dirty="0" smtClean="0"/>
+                <a:t>console.log(</a:t>
               </a:r>
               <a:r>
                 <a:rPr lang="en-US" dirty="0" err="1" smtClean="0"/>
-                <a:t>charCodeAt</a:t>
-              </a:r>
-              <a:r>
-                <a:rPr lang="en-US" dirty="0" smtClean="0"/>
-                <a:t>(</a:t>
-              </a:r>
-              <a:r>
-                <a:rPr lang="en-US" dirty="0"/>
-                <a:t>text.length-1</a:t>
+                <a:t>text.charCodeAt</a:t>
+              </a:r>
+              <a:r>
+                <a:rPr lang="en-US" dirty="0" smtClean="0"/>
+                <a:t>(text.length-1</a:t>
               </a:r>
               <a:r>
                 <a:rPr lang="en-US" dirty="0" smtClean="0"/>
